--- a/AWS/AWS_RDS&Aurora.pptx
+++ b/AWS/AWS_RDS&Aurora.pptx
@@ -202,7 +202,7 @@
           <a:p>
             <a:fld id="{34C307C2-D910-4122-9388-FE9DC4B9E077}" type="datetimeFigureOut">
               <a:rPr lang="en-IN" smtClean="0"/>
-              <a:t>14-12-2025</a:t>
+              <a:t>13-02-2026</a:t>
             </a:fld>
             <a:endParaRPr lang="en-IN"/>
           </a:p>
@@ -730,7 +730,7 @@
           <a:p>
             <a:fld id="{80B77DFC-8711-4557-8CA1-4C836922276B}" type="datetimeFigureOut">
               <a:rPr lang="en-IN" smtClean="0"/>
-              <a:t>14-12-2025</a:t>
+              <a:t>13-02-2026</a:t>
             </a:fld>
             <a:endParaRPr lang="en-IN"/>
           </a:p>
@@ -930,7 +930,7 @@
           <a:p>
             <a:fld id="{80B77DFC-8711-4557-8CA1-4C836922276B}" type="datetimeFigureOut">
               <a:rPr lang="en-IN" smtClean="0"/>
-              <a:t>14-12-2025</a:t>
+              <a:t>13-02-2026</a:t>
             </a:fld>
             <a:endParaRPr lang="en-IN"/>
           </a:p>
@@ -1140,7 +1140,7 @@
           <a:p>
             <a:fld id="{80B77DFC-8711-4557-8CA1-4C836922276B}" type="datetimeFigureOut">
               <a:rPr lang="en-IN" smtClean="0"/>
-              <a:t>14-12-2025</a:t>
+              <a:t>13-02-2026</a:t>
             </a:fld>
             <a:endParaRPr lang="en-IN"/>
           </a:p>
@@ -1340,7 +1340,7 @@
           <a:p>
             <a:fld id="{80B77DFC-8711-4557-8CA1-4C836922276B}" type="datetimeFigureOut">
               <a:rPr lang="en-IN" smtClean="0"/>
-              <a:t>14-12-2025</a:t>
+              <a:t>13-02-2026</a:t>
             </a:fld>
             <a:endParaRPr lang="en-IN"/>
           </a:p>
@@ -1616,7 +1616,7 @@
           <a:p>
             <a:fld id="{80B77DFC-8711-4557-8CA1-4C836922276B}" type="datetimeFigureOut">
               <a:rPr lang="en-IN" smtClean="0"/>
-              <a:t>14-12-2025</a:t>
+              <a:t>13-02-2026</a:t>
             </a:fld>
             <a:endParaRPr lang="en-IN"/>
           </a:p>
@@ -1884,7 +1884,7 @@
           <a:p>
             <a:fld id="{80B77DFC-8711-4557-8CA1-4C836922276B}" type="datetimeFigureOut">
               <a:rPr lang="en-IN" smtClean="0"/>
-              <a:t>14-12-2025</a:t>
+              <a:t>13-02-2026</a:t>
             </a:fld>
             <a:endParaRPr lang="en-IN"/>
           </a:p>
@@ -2299,7 +2299,7 @@
           <a:p>
             <a:fld id="{80B77DFC-8711-4557-8CA1-4C836922276B}" type="datetimeFigureOut">
               <a:rPr lang="en-IN" smtClean="0"/>
-              <a:t>14-12-2025</a:t>
+              <a:t>13-02-2026</a:t>
             </a:fld>
             <a:endParaRPr lang="en-IN"/>
           </a:p>
@@ -2441,7 +2441,7 @@
           <a:p>
             <a:fld id="{80B77DFC-8711-4557-8CA1-4C836922276B}" type="datetimeFigureOut">
               <a:rPr lang="en-IN" smtClean="0"/>
-              <a:t>14-12-2025</a:t>
+              <a:t>13-02-2026</a:t>
             </a:fld>
             <a:endParaRPr lang="en-IN"/>
           </a:p>
@@ -2554,7 +2554,7 @@
           <a:p>
             <a:fld id="{80B77DFC-8711-4557-8CA1-4C836922276B}" type="datetimeFigureOut">
               <a:rPr lang="en-IN" smtClean="0"/>
-              <a:t>14-12-2025</a:t>
+              <a:t>13-02-2026</a:t>
             </a:fld>
             <a:endParaRPr lang="en-IN"/>
           </a:p>
@@ -2867,7 +2867,7 @@
           <a:p>
             <a:fld id="{80B77DFC-8711-4557-8CA1-4C836922276B}" type="datetimeFigureOut">
               <a:rPr lang="en-IN" smtClean="0"/>
-              <a:t>14-12-2025</a:t>
+              <a:t>13-02-2026</a:t>
             </a:fld>
             <a:endParaRPr lang="en-IN"/>
           </a:p>
@@ -3156,7 +3156,7 @@
           <a:p>
             <a:fld id="{80B77DFC-8711-4557-8CA1-4C836922276B}" type="datetimeFigureOut">
               <a:rPr lang="en-IN" smtClean="0"/>
-              <a:t>14-12-2025</a:t>
+              <a:t>13-02-2026</a:t>
             </a:fld>
             <a:endParaRPr lang="en-IN"/>
           </a:p>
@@ -3399,7 +3399,7 @@
           <a:p>
             <a:fld id="{80B77DFC-8711-4557-8CA1-4C836922276B}" type="datetimeFigureOut">
               <a:rPr lang="en-IN" smtClean="0"/>
-              <a:t>14-12-2025</a:t>
+              <a:t>13-02-2026</a:t>
             </a:fld>
             <a:endParaRPr lang="en-IN"/>
           </a:p>
@@ -6652,8 +6652,8 @@
         </p:nvSpPr>
         <p:spPr>
           <a:xfrm>
-            <a:off x="4615544" y="1097280"/>
-            <a:ext cx="3298371" cy="3754874"/>
+            <a:off x="4615544" y="999308"/>
+            <a:ext cx="3298371" cy="5693866"/>
           </a:xfrm>
           <a:prstGeom prst="rect">
             <a:avLst/>
@@ -6754,6 +6754,49 @@
             <a:r>
               <a:rPr lang="en-IN" sz="1400" dirty="0"/>
               <a:t>Self-healing storage (automatically detects and repairs errors)</a:t>
+            </a:r>
+          </a:p>
+          <a:p>
+            <a:pPr marL="285750" indent="-285750">
+              <a:buFont typeface="Arial" panose="020B0604020202020204" pitchFamily="34" charset="0"/>
+              <a:buChar char="•"/>
+            </a:pPr>
+            <a:endParaRPr lang="en-IN" sz="1400" dirty="0"/>
+          </a:p>
+          <a:p>
+            <a:r>
+              <a:rPr lang="en-IN" sz="1400" b="1" dirty="0"/>
+              <a:t>IMPORTANT For AURORA:</a:t>
+            </a:r>
+            <a:r>
+              <a:rPr lang="en-IN" sz="1400" dirty="0"/>
+              <a:t> </a:t>
+            </a:r>
+          </a:p>
+          <a:p>
+            <a:r>
+              <a:rPr lang="en-IN" sz="1400" dirty="0"/>
+              <a:t>High Availability in compute requires explicit configuration:</a:t>
+            </a:r>
+          </a:p>
+          <a:p>
+            <a:pPr marL="285750" indent="-285750">
+              <a:buFont typeface="Arial" panose="020B0604020202020204" pitchFamily="34" charset="0"/>
+              <a:buChar char="•"/>
+            </a:pPr>
+            <a:r>
+              <a:rPr lang="en-IN" sz="1400" dirty="0"/>
+              <a:t>Single instance deployment = No automatic failover</a:t>
+            </a:r>
+          </a:p>
+          <a:p>
+            <a:pPr marL="285750" indent="-285750">
+              <a:buFont typeface="Arial" panose="020B0604020202020204" pitchFamily="34" charset="0"/>
+              <a:buChar char="•"/>
+            </a:pPr>
+            <a:r>
+              <a:rPr lang="en-IN" sz="1400" dirty="0"/>
+              <a:t>Multi-AZ deployment = Add Aurora Replicas in different AZs</a:t>
             </a:r>
           </a:p>
         </p:txBody>
@@ -6972,7 +7015,7 @@
         <p:spPr>
           <a:xfrm>
             <a:off x="568462" y="1345194"/>
-            <a:ext cx="5429568" cy="2646878"/>
+            <a:ext cx="4830852" cy="3323987"/>
           </a:xfrm>
           <a:prstGeom prst="rect">
             <a:avLst/>
@@ -6991,7 +7034,7 @@
               </a:spcBef>
             </a:pPr>
             <a:r>
-              <a:rPr lang="en-US" sz="1400" b="1" dirty="0"/>
+              <a:rPr lang="en-US" b="1" dirty="0"/>
               <a:t>Choose Standard RDS When:</a:t>
             </a:r>
           </a:p>
@@ -7004,7 +7047,7 @@
               <a:buChar char="•"/>
             </a:pPr>
             <a:r>
-              <a:rPr lang="en-US" sz="1400" dirty="0"/>
+              <a:rPr lang="en-US" dirty="0"/>
               <a:t>Small databases (&lt; 100GB)</a:t>
             </a:r>
           </a:p>
@@ -7017,7 +7060,7 @@
               <a:buChar char="•"/>
             </a:pPr>
             <a:r>
-              <a:rPr lang="en-US" sz="1400" dirty="0"/>
+              <a:rPr lang="en-US" dirty="0"/>
               <a:t>Low to moderate traffic</a:t>
             </a:r>
           </a:p>
@@ -7030,7 +7073,7 @@
               <a:buChar char="•"/>
             </a:pPr>
             <a:r>
-              <a:rPr lang="en-US" sz="1400" dirty="0"/>
+              <a:rPr lang="en-US" dirty="0"/>
               <a:t>Specific engine version required (not available in Aurora)</a:t>
             </a:r>
           </a:p>
@@ -7043,8 +7086,8 @@
               <a:buChar char="•"/>
             </a:pPr>
             <a:r>
-              <a:rPr lang="en-US" sz="1400" dirty="0"/>
-              <a:t>Budget-constrained (small workloads)</a:t>
+              <a:rPr lang="en-US" dirty="0"/>
+              <a:t>Budget-constrained workloads (small-scale applications)</a:t>
             </a:r>
           </a:p>
           <a:p>
@@ -7056,7 +7099,7 @@
               <a:buChar char="•"/>
             </a:pPr>
             <a:r>
-              <a:rPr lang="en-US" sz="1400" dirty="0"/>
+              <a:rPr lang="en-US" dirty="0"/>
               <a:t>Using MariaDB, Oracle, or SQL Server (no Aurora equivalent)</a:t>
             </a:r>
           </a:p>
@@ -7069,27 +7112,8 @@
               <a:buChar char="•"/>
             </a:pPr>
             <a:r>
-              <a:rPr lang="en-US" sz="1400" dirty="0"/>
+              <a:rPr lang="en-US" dirty="0"/>
               <a:t>Simple use case (single instance sufficient)</a:t>
-            </a:r>
-          </a:p>
-          <a:p>
-            <a:pPr>
-              <a:spcBef>
-                <a:spcPts val="600"/>
-              </a:spcBef>
-            </a:pPr>
-            <a:endParaRPr lang="en-US" sz="1400" b="1" dirty="0"/>
-          </a:p>
-          <a:p>
-            <a:pPr>
-              <a:spcBef>
-                <a:spcPts val="600"/>
-              </a:spcBef>
-            </a:pPr>
-            <a:r>
-              <a:rPr lang="en-US" sz="1400" b="1" dirty="0"/>
-              <a:t>Example: Small WordPress blog, internal tools, dev environments</a:t>
             </a:r>
           </a:p>
         </p:txBody>
@@ -7109,7 +7133,7 @@
         <p:spPr>
           <a:xfrm>
             <a:off x="6346371" y="920652"/>
-            <a:ext cx="5429568" cy="4031873"/>
+            <a:ext cx="5429568" cy="4108817"/>
           </a:xfrm>
           <a:prstGeom prst="rect">
             <a:avLst/>
@@ -7127,7 +7151,7 @@
                 <a:spcPts val="600"/>
               </a:spcBef>
             </a:pPr>
-            <a:endParaRPr lang="en-US" sz="1400" b="1" dirty="0"/>
+            <a:endParaRPr lang="en-US" b="1" dirty="0"/>
           </a:p>
           <a:p>
             <a:pPr>
@@ -7136,7 +7160,7 @@
               </a:spcBef>
             </a:pPr>
             <a:r>
-              <a:rPr lang="en-US" sz="1400" b="1" dirty="0"/>
+              <a:rPr lang="en-US" b="1" dirty="0"/>
               <a:t>Choose Aurora When:</a:t>
             </a:r>
           </a:p>
@@ -7149,7 +7173,7 @@
               <a:buChar char="•"/>
             </a:pPr>
             <a:r>
-              <a:rPr lang="en-US" sz="1400" dirty="0"/>
+              <a:rPr lang="en-US" dirty="0"/>
               <a:t>Performance matters (need 5x MySQL, 3x PostgreSQL speed)</a:t>
             </a:r>
           </a:p>
@@ -7162,8 +7186,8 @@
               <a:buChar char="•"/>
             </a:pPr>
             <a:r>
-              <a:rPr lang="en-US" sz="1400" dirty="0"/>
-              <a:t>High availability critical (6 copies across 3 AZs)</a:t>
+              <a:rPr lang="en-US" dirty="0"/>
+              <a:t>Critical data (6 copies across 3 AZs)</a:t>
             </a:r>
           </a:p>
           <a:p>
@@ -7175,7 +7199,7 @@
               <a:buChar char="•"/>
             </a:pPr>
             <a:r>
-              <a:rPr lang="en-US" sz="1400" dirty="0"/>
+              <a:rPr lang="en-US" dirty="0"/>
               <a:t>Scaling needs (storage auto-scales to 128TB)</a:t>
             </a:r>
           </a:p>
@@ -7188,7 +7212,7 @@
               <a:buChar char="•"/>
             </a:pPr>
             <a:r>
-              <a:rPr lang="en-US" sz="1400" dirty="0"/>
+              <a:rPr lang="en-US" dirty="0"/>
               <a:t>Read-heavy workloads (up to 15 read replicas)</a:t>
             </a:r>
           </a:p>
@@ -7201,7 +7225,7 @@
               <a:buChar char="•"/>
             </a:pPr>
             <a:r>
-              <a:rPr lang="en-US" sz="1400" dirty="0"/>
+              <a:rPr lang="en-US" dirty="0"/>
               <a:t>Growing databases (unpredictable growth)</a:t>
             </a:r>
           </a:p>
@@ -7214,7 +7238,7 @@
               <a:buChar char="•"/>
             </a:pPr>
             <a:r>
-              <a:rPr lang="en-US" sz="1400" dirty="0"/>
+              <a:rPr lang="en-US" dirty="0"/>
               <a:t>Global applications (Aurora Global Database)</a:t>
             </a:r>
           </a:p>
@@ -7227,7 +7251,7 @@
               <a:buChar char="•"/>
             </a:pPr>
             <a:r>
-              <a:rPr lang="en-US" sz="1400" dirty="0"/>
+              <a:rPr lang="en-US" dirty="0"/>
               <a:t>Need advanced features (Backtrack, Serverless, Parallel Query)</a:t>
             </a:r>
           </a:p>
@@ -7240,36 +7264,9 @@
               <a:buChar char="•"/>
             </a:pPr>
             <a:r>
-              <a:rPr lang="en-US" sz="1400" dirty="0"/>
+              <a:rPr lang="en-US" dirty="0"/>
               <a:t>Want faster failover (30 seconds vs 60-120 seconds)</a:t>
             </a:r>
-          </a:p>
-          <a:p>
-            <a:pPr>
-              <a:spcBef>
-                <a:spcPts val="600"/>
-              </a:spcBef>
-            </a:pPr>
-            <a:endParaRPr lang="en-US" sz="1400" b="1" dirty="0"/>
-          </a:p>
-          <a:p>
-            <a:pPr>
-              <a:spcBef>
-                <a:spcPts val="600"/>
-              </a:spcBef>
-            </a:pPr>
-            <a:r>
-              <a:rPr lang="en-US" sz="1400" b="1" dirty="0"/>
-              <a:t>Example: E-commerce platforms, SaaS applications, mobile backends, analytics</a:t>
-            </a:r>
-          </a:p>
-          <a:p>
-            <a:pPr>
-              <a:spcBef>
-                <a:spcPts val="600"/>
-              </a:spcBef>
-            </a:pPr>
-            <a:endParaRPr lang="en-US" sz="1400" b="1" dirty="0"/>
           </a:p>
         </p:txBody>
       </p:sp>
